--- a/T-brain心得分享_20190329.pptx
+++ b/T-brain心得分享_20190329.pptx
@@ -19,8 +19,8 @@
     <p:sldId id="271" r:id="rId10"/>
     <p:sldId id="270" r:id="rId11"/>
     <p:sldId id="281" r:id="rId12"/>
-    <p:sldId id="285" r:id="rId13"/>
-    <p:sldId id="282" r:id="rId14"/>
+    <p:sldId id="282" r:id="rId13"/>
+    <p:sldId id="285" r:id="rId14"/>
     <p:sldId id="274" r:id="rId15"/>
     <p:sldId id="276" r:id="rId16"/>
     <p:sldId id="275" r:id="rId17"/>
@@ -224,7 +224,7 @@
             <a:fld id="{7D35035A-5756-47E5-B3E0-81E041EAC0B0}" type="datetimeFigureOut">
               <a:rPr lang="zh-TW" altLang="en-US" smtClean="0"/>
               <a:pPr/>
-              <a:t>2019/3/24</a:t>
+              <a:t>2019/3/30</a:t>
             </a:fld>
             <a:endParaRPr lang="zh-TW" altLang="en-US"/>
           </a:p>
@@ -803,7 +803,7 @@
             <a:fld id="{958BE7E5-3A71-4B06-A751-E013422F0A5A}" type="datetimeFigureOut">
               <a:rPr lang="zh-TW" altLang="en-US" smtClean="0"/>
               <a:pPr/>
-              <a:t>2019/3/24</a:t>
+              <a:t>2019/3/30</a:t>
             </a:fld>
             <a:endParaRPr lang="zh-TW" altLang="en-US" dirty="0"/>
           </a:p>
@@ -1134,7 +1134,7 @@
             <a:fld id="{958BE7E5-3A71-4B06-A751-E013422F0A5A}" type="datetimeFigureOut">
               <a:rPr lang="zh-TW" altLang="en-US" smtClean="0"/>
               <a:pPr/>
-              <a:t>2019/3/24</a:t>
+              <a:t>2019/3/30</a:t>
             </a:fld>
             <a:endParaRPr lang="zh-TW" altLang="en-US" dirty="0"/>
           </a:p>
@@ -1499,7 +1499,7 @@
             <a:fld id="{958BE7E5-3A71-4B06-A751-E013422F0A5A}" type="datetimeFigureOut">
               <a:rPr lang="zh-TW" altLang="en-US" smtClean="0"/>
               <a:pPr/>
-              <a:t>2019/3/24</a:t>
+              <a:t>2019/3/30</a:t>
             </a:fld>
             <a:endParaRPr lang="zh-TW" altLang="en-US" dirty="0"/>
           </a:p>
@@ -1887,7 +1887,7 @@
             <a:fld id="{958BE7E5-3A71-4B06-A751-E013422F0A5A}" type="datetimeFigureOut">
               <a:rPr lang="zh-TW" altLang="en-US" smtClean="0"/>
               <a:pPr/>
-              <a:t>2019/3/24</a:t>
+              <a:t>2019/3/30</a:t>
             </a:fld>
             <a:endParaRPr lang="zh-TW" altLang="en-US" dirty="0"/>
           </a:p>
@@ -2249,7 +2249,7 @@
             <a:fld id="{958BE7E5-3A71-4B06-A751-E013422F0A5A}" type="datetimeFigureOut">
               <a:rPr lang="zh-TW" altLang="en-US" smtClean="0"/>
               <a:pPr/>
-              <a:t>2019/3/24</a:t>
+              <a:t>2019/3/30</a:t>
             </a:fld>
             <a:endParaRPr lang="zh-TW" altLang="en-US"/>
           </a:p>
@@ -2357,7 +2357,7 @@
             <a:fld id="{958BE7E5-3A71-4B06-A751-E013422F0A5A}" type="datetimeFigureOut">
               <a:rPr lang="zh-TW" altLang="en-US" smtClean="0"/>
               <a:pPr/>
-              <a:t>2019/3/24</a:t>
+              <a:t>2019/3/30</a:t>
             </a:fld>
             <a:endParaRPr lang="zh-TW" altLang="en-US" dirty="0"/>
           </a:p>
@@ -2569,7 +2569,7 @@
             <a:fld id="{958BE7E5-3A71-4B06-A751-E013422F0A5A}" type="datetimeFigureOut">
               <a:rPr lang="zh-TW" altLang="en-US" smtClean="0"/>
               <a:pPr/>
-              <a:t>2019/3/24</a:t>
+              <a:t>2019/3/30</a:t>
             </a:fld>
             <a:endParaRPr lang="zh-TW" altLang="en-US" dirty="0"/>
           </a:p>
@@ -2891,7 +2891,7 @@
             <a:fld id="{958BE7E5-3A71-4B06-A751-E013422F0A5A}" type="datetimeFigureOut">
               <a:rPr lang="zh-TW" altLang="en-US" smtClean="0"/>
               <a:pPr/>
-              <a:t>2019/3/24</a:t>
+              <a:t>2019/3/30</a:t>
             </a:fld>
             <a:endParaRPr lang="zh-TW" altLang="en-US" dirty="0"/>
           </a:p>
@@ -3330,7 +3330,7 @@
             <a:fld id="{958BE7E5-3A71-4B06-A751-E013422F0A5A}" type="datetimeFigureOut">
               <a:rPr lang="zh-TW" altLang="en-US" smtClean="0"/>
               <a:pPr/>
-              <a:t>2019/3/24</a:t>
+              <a:t>2019/3/30</a:t>
             </a:fld>
             <a:endParaRPr lang="zh-TW" altLang="en-US"/>
           </a:p>
@@ -4026,9 +4026,16 @@
             <p:ph type="subTitle" idx="1"/>
           </p:nvPr>
         </p:nvSpPr>
-        <p:spPr/>
-        <p:txBody>
-          <a:bodyPr/>
+        <p:spPr>
+          <a:xfrm>
+            <a:off x="559566" y="4485118"/>
+            <a:ext cx="4853091" cy="647321"/>
+          </a:xfrm>
+        </p:spPr>
+        <p:txBody>
+          <a:bodyPr>
+            <a:normAutofit fontScale="70000" lnSpcReduction="20000"/>
+          </a:bodyPr>
           <a:lstStyle/>
           <a:p>
             <a:pPr algn="ctr"/>
@@ -4046,7 +4053,31 @@
                   <a:schemeClr val="tx1"/>
                 </a:solidFill>
               </a:rPr>
-              <a:t>：薛百惠</a:t>
+              <a:t>：</a:t>
+            </a:r>
+            <a:r>
+              <a:rPr lang="zh-TW" altLang="en-US" dirty="0" smtClean="0">
+                <a:solidFill>
+                  <a:schemeClr val="tx1"/>
+                </a:solidFill>
+              </a:rPr>
+              <a:t>薛百惠</a:t>
+            </a:r>
+            <a:endParaRPr lang="en-US" altLang="zh-TW" dirty="0" smtClean="0">
+              <a:solidFill>
+                <a:schemeClr val="tx1"/>
+              </a:solidFill>
+            </a:endParaRPr>
+          </a:p>
+          <a:p>
+            <a:pPr algn="ctr"/>
+            <a:r>
+              <a:rPr lang="en-US" altLang="zh-TW" dirty="0" smtClean="0">
+                <a:solidFill>
+                  <a:schemeClr val="tx1"/>
+                </a:solidFill>
+              </a:rPr>
+              <a:t>2019/03/29</a:t>
             </a:r>
             <a:endParaRPr lang="zh-TW" altLang="en-US" dirty="0">
               <a:solidFill>
@@ -4064,7 +4095,7 @@
         </p:nvSpPr>
         <p:spPr>
           <a:xfrm>
-            <a:off x="2651760" y="3605349"/>
+            <a:off x="940947" y="3634846"/>
             <a:ext cx="3971109" cy="646331"/>
           </a:xfrm>
           <a:prstGeom prst="rect">
@@ -4093,6 +4124,108 @@
           </a:p>
         </p:txBody>
       </p:sp>
+      <p:grpSp>
+        <p:nvGrpSpPr>
+          <p:cNvPr id="5" name="Group 4"/>
+          <p:cNvGrpSpPr/>
+          <p:nvPr/>
+        </p:nvGrpSpPr>
+        <p:grpSpPr>
+          <a:xfrm>
+            <a:off x="4660490" y="2949677"/>
+            <a:ext cx="4218039" cy="3179520"/>
+            <a:chOff x="2846418" y="1163915"/>
+            <a:chExt cx="3672408" cy="3856867"/>
+          </a:xfrm>
+        </p:grpSpPr>
+        <p:pic>
+          <p:nvPicPr>
+            <p:cNvPr id="6" name="Picture 3" descr="C:\BigDataSpark\image\download (2).jpg"/>
+            <p:cNvPicPr>
+              <a:picLocks noChangeAspect="1" noChangeArrowheads="1"/>
+            </p:cNvPicPr>
+            <p:nvPr/>
+          </p:nvPicPr>
+          <p:blipFill>
+            <a:blip r:embed="rId2" cstate="print"/>
+            <a:srcRect/>
+            <a:stretch>
+              <a:fillRect/>
+            </a:stretch>
+          </p:blipFill>
+          <p:spPr bwMode="auto">
+            <a:xfrm>
+              <a:off x="2846418" y="1163915"/>
+              <a:ext cx="3672408" cy="3856867"/>
+            </a:xfrm>
+            <a:prstGeom prst="rect">
+              <a:avLst/>
+            </a:prstGeom>
+            <a:noFill/>
+          </p:spPr>
+        </p:pic>
+        <p:sp>
+          <p:nvSpPr>
+            <p:cNvPr id="7" name="TextBox 6"/>
+            <p:cNvSpPr txBox="1"/>
+            <p:nvPr/>
+          </p:nvSpPr>
+          <p:spPr>
+            <a:xfrm>
+              <a:off x="3185184" y="2139702"/>
+              <a:ext cx="3166715" cy="2128058"/>
+            </a:xfrm>
+            <a:prstGeom prst="rect">
+              <a:avLst/>
+            </a:prstGeom>
+            <a:noFill/>
+          </p:spPr>
+          <p:txBody>
+            <a:bodyPr wrap="square" rtlCol="0">
+              <a:spAutoFit/>
+            </a:bodyPr>
+            <a:lstStyle/>
+            <a:p>
+              <a:r>
+                <a:rPr lang="zh-TW" altLang="en-US" sz="3600" b="1" dirty="0" smtClean="0">
+                  <a:solidFill>
+                    <a:srgbClr val="FF0000"/>
+                  </a:solidFill>
+                </a:rPr>
+                <a:t>重要的不是排名而是願意踏出</a:t>
+              </a:r>
+              <a:endParaRPr lang="en-US" altLang="zh-TW" sz="3600" b="1" dirty="0" smtClean="0">
+                <a:solidFill>
+                  <a:srgbClr val="FF0000"/>
+                </a:solidFill>
+              </a:endParaRPr>
+            </a:p>
+            <a:p>
+              <a:r>
+                <a:rPr lang="en-US" altLang="zh-TW" sz="3600" b="1" dirty="0" smtClean="0">
+                  <a:solidFill>
+                    <a:srgbClr val="FF0000"/>
+                  </a:solidFill>
+                </a:rPr>
+                <a:t>      </a:t>
+              </a:r>
+              <a:r>
+                <a:rPr lang="zh-TW" altLang="en-US" sz="3600" b="1" dirty="0" smtClean="0">
+                  <a:solidFill>
+                    <a:srgbClr val="FF0000"/>
+                  </a:solidFill>
+                </a:rPr>
+                <a:t>第一步</a:t>
+              </a:r>
+              <a:endParaRPr lang="en-US" altLang="zh-TW" sz="3600" b="1" dirty="0" smtClean="0">
+                <a:solidFill>
+                  <a:srgbClr val="FF0000"/>
+                </a:solidFill>
+              </a:endParaRPr>
+            </a:p>
+          </p:txBody>
+        </p:sp>
+      </p:grpSp>
     </p:spTree>
     <p:extLst>
       <p:ext uri="{BB962C8B-B14F-4D97-AF65-F5344CB8AC3E}">
@@ -4106,7 +4239,121 @@
   <p:timing>
     <p:tnLst>
       <p:par>
-        <p:cTn id="1" dur="indefinite" restart="never" nodeType="tmRoot"/>
+        <p:cTn id="1" dur="indefinite" restart="never" nodeType="tmRoot">
+          <p:childTnLst>
+            <p:seq concurrent="1" nextAc="seek">
+              <p:cTn id="2" dur="indefinite" nodeType="mainSeq">
+                <p:childTnLst>
+                  <p:par>
+                    <p:cTn id="3" fill="hold">
+                      <p:stCondLst>
+                        <p:cond delay="indefinite"/>
+                      </p:stCondLst>
+                      <p:childTnLst>
+                        <p:par>
+                          <p:cTn id="4" fill="hold">
+                            <p:stCondLst>
+                              <p:cond delay="0"/>
+                            </p:stCondLst>
+                            <p:childTnLst>
+                              <p:par>
+                                <p:cTn id="5" presetID="2" presetClass="entr" presetSubtype="1" fill="hold" nodeType="clickEffect">
+                                  <p:stCondLst>
+                                    <p:cond delay="0"/>
+                                  </p:stCondLst>
+                                  <p:childTnLst>
+                                    <p:set>
+                                      <p:cBhvr>
+                                        <p:cTn id="6" dur="1" fill="hold">
+                                          <p:stCondLst>
+                                            <p:cond delay="0"/>
+                                          </p:stCondLst>
+                                        </p:cTn>
+                                        <p:tgtEl>
+                                          <p:spTgt spid="5"/>
+                                        </p:tgtEl>
+                                        <p:attrNameLst>
+                                          <p:attrName>style.visibility</p:attrName>
+                                        </p:attrNameLst>
+                                      </p:cBhvr>
+                                      <p:to>
+                                        <p:strVal val="visible"/>
+                                      </p:to>
+                                    </p:set>
+                                    <p:anim calcmode="lin" valueType="num">
+                                      <p:cBhvr additive="base">
+                                        <p:cTn id="7" dur="500" fill="hold"/>
+                                        <p:tgtEl>
+                                          <p:spTgt spid="5"/>
+                                        </p:tgtEl>
+                                        <p:attrNameLst>
+                                          <p:attrName>ppt_x</p:attrName>
+                                        </p:attrNameLst>
+                                      </p:cBhvr>
+                                      <p:tavLst>
+                                        <p:tav tm="0">
+                                          <p:val>
+                                            <p:strVal val="#ppt_x"/>
+                                          </p:val>
+                                        </p:tav>
+                                        <p:tav tm="100000">
+                                          <p:val>
+                                            <p:strVal val="#ppt_x"/>
+                                          </p:val>
+                                        </p:tav>
+                                      </p:tavLst>
+                                    </p:anim>
+                                    <p:anim calcmode="lin" valueType="num">
+                                      <p:cBhvr additive="base">
+                                        <p:cTn id="8" dur="500" fill="hold"/>
+                                        <p:tgtEl>
+                                          <p:spTgt spid="5"/>
+                                        </p:tgtEl>
+                                        <p:attrNameLst>
+                                          <p:attrName>ppt_y</p:attrName>
+                                        </p:attrNameLst>
+                                      </p:cBhvr>
+                                      <p:tavLst>
+                                        <p:tav tm="0">
+                                          <p:val>
+                                            <p:strVal val="0-#ppt_h/2"/>
+                                          </p:val>
+                                        </p:tav>
+                                        <p:tav tm="100000">
+                                          <p:val>
+                                            <p:strVal val="#ppt_y"/>
+                                          </p:val>
+                                        </p:tav>
+                                      </p:tavLst>
+                                    </p:anim>
+                                  </p:childTnLst>
+                                </p:cTn>
+                              </p:par>
+                            </p:childTnLst>
+                          </p:cTn>
+                        </p:par>
+                      </p:childTnLst>
+                    </p:cTn>
+                  </p:par>
+                </p:childTnLst>
+              </p:cTn>
+              <p:prevCondLst>
+                <p:cond evt="onPrev" delay="0">
+                  <p:tgtEl>
+                    <p:sldTgt/>
+                  </p:tgtEl>
+                </p:cond>
+              </p:prevCondLst>
+              <p:nextCondLst>
+                <p:cond evt="onNext" delay="0">
+                  <p:tgtEl>
+                    <p:sldTgt/>
+                  </p:tgtEl>
+                </p:cond>
+              </p:nextCondLst>
+            </p:seq>
+          </p:childTnLst>
+        </p:cTn>
       </p:par>
     </p:tnLst>
   </p:timing>
@@ -4438,13 +4685,18 @@
           </a:bodyPr>
           <a:lstStyle/>
           <a:p>
+            <a:pPr lvl="0"/>
             <a:r>
               <a:rPr lang="zh-TW" altLang="en-US" dirty="0" smtClean="0"/>
-              <a:t>資料</a:t>
+              <a:t>資料處理</a:t>
+            </a:r>
+            <a:r>
+              <a:rPr lang="en-US" altLang="zh-TW" dirty="0" smtClean="0"/>
+              <a:t>/</a:t>
             </a:r>
             <a:r>
               <a:rPr lang="zh-TW" altLang="en-US" dirty="0" smtClean="0"/>
-              <a:t>前處理</a:t>
+              <a:t>特徵萃取</a:t>
             </a:r>
             <a:endParaRPr lang="en-US" altLang="zh-TW" dirty="0" smtClean="0"/>
           </a:p>
@@ -4452,7 +4704,11 @@
             <a:pPr lvl="1"/>
             <a:r>
               <a:rPr lang="zh-TW" altLang="en-US" dirty="0" smtClean="0"/>
-              <a:t>筆數不一致</a:t>
+              <a:t>筆</a:t>
+            </a:r>
+            <a:r>
+              <a:rPr lang="zh-TW" altLang="en-US" dirty="0" smtClean="0"/>
+              <a:t>數不一致</a:t>
             </a:r>
             <a:r>
               <a:rPr lang="en-US" altLang="zh-TW" dirty="0" smtClean="0"/>
@@ -4460,15 +4716,7 @@
             </a:r>
             <a:r>
               <a:rPr lang="zh-TW" altLang="en-US" dirty="0" smtClean="0"/>
-              <a:t>資料</a:t>
-            </a:r>
-            <a:r>
-              <a:rPr lang="zh-TW" altLang="en-US" dirty="0" smtClean="0"/>
-              <a:t>整</a:t>
-            </a:r>
-            <a:r>
-              <a:rPr lang="zh-TW" altLang="en-US" dirty="0" smtClean="0"/>
-              <a:t>併</a:t>
+              <a:t>資料整併</a:t>
             </a:r>
             <a:endParaRPr lang="en-US" altLang="zh-TW" dirty="0" smtClean="0"/>
           </a:p>
@@ -4501,6 +4749,10 @@
             <a:r>
               <a:rPr lang="zh-TW" altLang="en-US" dirty="0" smtClean="0"/>
               <a:t>婚姻</a:t>
+            </a:r>
+            <a:r>
+              <a:rPr lang="en-US" altLang="zh-TW" dirty="0" smtClean="0"/>
+              <a:t>….</a:t>
             </a:r>
             <a:r>
               <a:rPr lang="zh-TW" altLang="en-US" dirty="0" smtClean="0"/>
@@ -4569,6 +4821,351 @@
               <a:t>心得分享</a:t>
             </a:r>
             <a:endParaRPr lang="zh-TW" altLang="en-US" dirty="0"/>
+          </a:p>
+        </p:txBody>
+      </p:sp>
+      <p:sp>
+        <p:nvSpPr>
+          <p:cNvPr id="4" name="Content Placeholder 1"/>
+          <p:cNvSpPr txBox="1">
+            <a:spLocks/>
+          </p:cNvSpPr>
+          <p:nvPr/>
+        </p:nvSpPr>
+        <p:spPr>
+          <a:xfrm>
+            <a:off x="4849893" y="1275327"/>
+            <a:ext cx="3704172" cy="4258850"/>
+          </a:xfrm>
+          <a:prstGeom prst="rect">
+            <a:avLst/>
+          </a:prstGeom>
+        </p:spPr>
+        <p:txBody>
+          <a:bodyPr vert="horz" lIns="0" tIns="45720" rIns="0" bIns="45720" rtlCol="0">
+            <a:normAutofit/>
+          </a:bodyPr>
+          <a:lstStyle/>
+          <a:p>
+            <a:pPr marL="91440" marR="0" lvl="0" indent="-91440" algn="l" defTabSz="914400" rtl="0" eaLnBrk="1" fontAlgn="auto" latinLnBrk="0" hangingPunct="1">
+              <a:lnSpc>
+                <a:spcPct val="90000"/>
+              </a:lnSpc>
+              <a:spcBef>
+                <a:spcPts val="1200"/>
+              </a:spcBef>
+              <a:spcAft>
+                <a:spcPts val="200"/>
+              </a:spcAft>
+              <a:buClrTx/>
+              <a:buSzPct val="100000"/>
+              <a:tabLst/>
+              <a:defRPr/>
+            </a:pPr>
+            <a:endParaRPr kumimoji="0" lang="en-US" altLang="zh-TW" sz="3200" b="0" i="0" u="none" strike="noStrike" kern="1200" cap="none" spc="0" normalizeH="0" baseline="0" noProof="0" dirty="0" smtClean="0">
+              <a:ln>
+                <a:noFill/>
+              </a:ln>
+              <a:solidFill>
+                <a:schemeClr val="accent3">
+                  <a:lumMod val="75000"/>
+                </a:schemeClr>
+              </a:solidFill>
+              <a:effectLst/>
+              <a:uLnTx/>
+              <a:uFillTx/>
+              <a:latin typeface="微軟正黑體" pitchFamily="34" charset="-120"/>
+              <a:ea typeface="微軟正黑體" pitchFamily="34" charset="-120"/>
+              <a:cs typeface="+mn-cs"/>
+            </a:endParaRPr>
+          </a:p>
+          <a:p>
+            <a:pPr marL="384048" marR="0" lvl="1" indent="-182880" algn="l" defTabSz="914400" rtl="0" eaLnBrk="1" fontAlgn="auto" latinLnBrk="0" hangingPunct="1">
+              <a:lnSpc>
+                <a:spcPct val="150000"/>
+              </a:lnSpc>
+              <a:spcBef>
+                <a:spcPts val="200"/>
+              </a:spcBef>
+              <a:spcAft>
+                <a:spcPts val="400"/>
+              </a:spcAft>
+              <a:buClrTx/>
+              <a:buSzTx/>
+              <a:buFont typeface="Wingdings" pitchFamily="2" charset="2"/>
+              <a:buChar char="ü"/>
+              <a:tabLst/>
+              <a:defRPr/>
+            </a:pPr>
+            <a:r>
+              <a:rPr kumimoji="0" lang="zh-TW" altLang="en-US" sz="2400" b="0" i="0" u="none" strike="noStrike" kern="1200" cap="none" spc="0" normalizeH="0" baseline="0" noProof="0" dirty="0" smtClean="0">
+                <a:ln>
+                  <a:noFill/>
+                </a:ln>
+                <a:solidFill>
+                  <a:schemeClr val="tx1"/>
+                </a:solidFill>
+                <a:effectLst/>
+                <a:uLnTx/>
+                <a:uFillTx/>
+                <a:latin typeface="微軟正黑體" pitchFamily="34" charset="-120"/>
+                <a:ea typeface="微軟正黑體" pitchFamily="34" charset="-120"/>
+                <a:cs typeface="+mn-cs"/>
+              </a:rPr>
+              <a:t>計算該年度的保險金額</a:t>
+            </a:r>
+            <a:endParaRPr kumimoji="0" lang="en-US" altLang="zh-TW" sz="2400" b="0" i="0" u="none" strike="noStrike" kern="1200" cap="none" spc="0" normalizeH="0" baseline="0" noProof="0" dirty="0" smtClean="0">
+              <a:ln>
+                <a:noFill/>
+              </a:ln>
+              <a:solidFill>
+                <a:schemeClr val="tx1"/>
+              </a:solidFill>
+              <a:effectLst/>
+              <a:uLnTx/>
+              <a:uFillTx/>
+              <a:latin typeface="微軟正黑體" pitchFamily="34" charset="-120"/>
+              <a:ea typeface="微軟正黑體" pitchFamily="34" charset="-120"/>
+              <a:cs typeface="+mn-cs"/>
+            </a:endParaRPr>
+          </a:p>
+          <a:p>
+            <a:pPr marL="384048" marR="0" lvl="1" indent="-182880" algn="l" defTabSz="914400" rtl="0" eaLnBrk="1" fontAlgn="auto" latinLnBrk="0" hangingPunct="1">
+              <a:lnSpc>
+                <a:spcPct val="150000"/>
+              </a:lnSpc>
+              <a:spcBef>
+                <a:spcPts val="200"/>
+              </a:spcBef>
+              <a:spcAft>
+                <a:spcPts val="400"/>
+              </a:spcAft>
+              <a:buClrTx/>
+              <a:buSzTx/>
+              <a:buFont typeface="Wingdings" pitchFamily="2" charset="2"/>
+              <a:buChar char="ü"/>
+              <a:tabLst/>
+              <a:defRPr/>
+            </a:pPr>
+            <a:r>
+              <a:rPr kumimoji="0" lang="zh-TW" altLang="en-US" sz="2400" b="0" i="0" u="none" strike="noStrike" kern="1200" cap="none" spc="0" normalizeH="0" baseline="0" noProof="0" dirty="0" smtClean="0">
+                <a:ln>
+                  <a:noFill/>
+                </a:ln>
+                <a:solidFill>
+                  <a:schemeClr val="tx1"/>
+                </a:solidFill>
+                <a:effectLst/>
+                <a:uLnTx/>
+                <a:uFillTx/>
+                <a:latin typeface="微軟正黑體" pitchFamily="34" charset="-120"/>
+                <a:ea typeface="微軟正黑體" pitchFamily="34" charset="-120"/>
+                <a:cs typeface="+mn-cs"/>
+              </a:rPr>
+              <a:t>計算各保險種類的保額</a:t>
+            </a:r>
+            <a:endParaRPr kumimoji="0" lang="en-US" altLang="zh-TW" sz="2400" b="0" i="0" u="none" strike="noStrike" kern="1200" cap="none" spc="0" normalizeH="0" baseline="0" noProof="0" dirty="0" smtClean="0">
+              <a:ln>
+                <a:noFill/>
+              </a:ln>
+              <a:solidFill>
+                <a:schemeClr val="tx1"/>
+              </a:solidFill>
+              <a:effectLst/>
+              <a:uLnTx/>
+              <a:uFillTx/>
+              <a:latin typeface="微軟正黑體" pitchFamily="34" charset="-120"/>
+              <a:ea typeface="微軟正黑體" pitchFamily="34" charset="-120"/>
+              <a:cs typeface="+mn-cs"/>
+            </a:endParaRPr>
+          </a:p>
+          <a:p>
+            <a:pPr marL="384048" marR="0" lvl="1" indent="-182880" algn="l" defTabSz="914400" rtl="0" eaLnBrk="1" fontAlgn="auto" latinLnBrk="0" hangingPunct="1">
+              <a:lnSpc>
+                <a:spcPct val="150000"/>
+              </a:lnSpc>
+              <a:spcBef>
+                <a:spcPts val="200"/>
+              </a:spcBef>
+              <a:spcAft>
+                <a:spcPts val="400"/>
+              </a:spcAft>
+              <a:buClrTx/>
+              <a:buSzTx/>
+              <a:buFont typeface="Wingdings" pitchFamily="2" charset="2"/>
+              <a:buChar char="ü"/>
+              <a:tabLst/>
+              <a:defRPr/>
+            </a:pPr>
+            <a:r>
+              <a:rPr kumimoji="0" lang="zh-TW" altLang="en-US" sz="2400" b="0" i="0" u="none" strike="noStrike" kern="1200" cap="none" spc="0" normalizeH="0" baseline="0" noProof="0" dirty="0" smtClean="0">
+                <a:ln>
+                  <a:noFill/>
+                </a:ln>
+                <a:solidFill>
+                  <a:schemeClr val="tx1"/>
+                </a:solidFill>
+                <a:effectLst/>
+                <a:uLnTx/>
+                <a:uFillTx/>
+                <a:latin typeface="微軟正黑體" pitchFamily="34" charset="-120"/>
+                <a:ea typeface="微軟正黑體" pitchFamily="34" charset="-120"/>
+                <a:cs typeface="+mn-cs"/>
+              </a:rPr>
+              <a:t>理賠次數</a:t>
+            </a:r>
+            <a:r>
+              <a:rPr kumimoji="0" lang="en-US" altLang="zh-TW" sz="2400" b="0" i="0" u="none" strike="noStrike" kern="1200" cap="none" spc="0" normalizeH="0" baseline="0" noProof="0" dirty="0" smtClean="0">
+                <a:ln>
+                  <a:noFill/>
+                </a:ln>
+                <a:solidFill>
+                  <a:schemeClr val="tx1"/>
+                </a:solidFill>
+                <a:effectLst/>
+                <a:uLnTx/>
+                <a:uFillTx/>
+                <a:latin typeface="微軟正黑體" pitchFamily="34" charset="-120"/>
+                <a:ea typeface="微軟正黑體" pitchFamily="34" charset="-120"/>
+                <a:cs typeface="+mn-cs"/>
+              </a:rPr>
+              <a:t>,</a:t>
+            </a:r>
+            <a:r>
+              <a:rPr kumimoji="0" lang="zh-TW" altLang="en-US" sz="2400" b="0" i="0" u="none" strike="noStrike" kern="1200" cap="none" spc="0" normalizeH="0" baseline="0" noProof="0" dirty="0" smtClean="0">
+                <a:ln>
+                  <a:noFill/>
+                </a:ln>
+                <a:solidFill>
+                  <a:schemeClr val="tx1"/>
+                </a:solidFill>
+                <a:effectLst/>
+                <a:uLnTx/>
+                <a:uFillTx/>
+                <a:latin typeface="微軟正黑體" pitchFamily="34" charset="-120"/>
+                <a:ea typeface="微軟正黑體" pitchFamily="34" charset="-120"/>
+                <a:cs typeface="+mn-cs"/>
+              </a:rPr>
+              <a:t>金額</a:t>
+            </a:r>
+            <a:r>
+              <a:rPr kumimoji="0" lang="en-US" altLang="zh-TW" sz="2400" b="0" i="0" u="none" strike="noStrike" kern="1200" cap="none" spc="0" normalizeH="0" baseline="0" noProof="0" dirty="0" smtClean="0">
+                <a:ln>
+                  <a:noFill/>
+                </a:ln>
+                <a:solidFill>
+                  <a:schemeClr val="tx1"/>
+                </a:solidFill>
+                <a:effectLst/>
+                <a:uLnTx/>
+                <a:uFillTx/>
+                <a:latin typeface="微軟正黑體" pitchFamily="34" charset="-120"/>
+                <a:ea typeface="微軟正黑體" pitchFamily="34" charset="-120"/>
+                <a:cs typeface="+mn-cs"/>
+              </a:rPr>
+              <a:t>,</a:t>
+            </a:r>
+            <a:r>
+              <a:rPr kumimoji="0" lang="zh-TW" altLang="en-US" sz="2400" b="0" i="0" u="none" strike="noStrike" kern="1200" cap="none" spc="0" normalizeH="0" baseline="0" noProof="0" dirty="0" smtClean="0">
+                <a:ln>
+                  <a:noFill/>
+                </a:ln>
+                <a:solidFill>
+                  <a:schemeClr val="tx1"/>
+                </a:solidFill>
+                <a:effectLst/>
+                <a:uLnTx/>
+                <a:uFillTx/>
+                <a:latin typeface="微軟正黑體" pitchFamily="34" charset="-120"/>
+                <a:ea typeface="微軟正黑體" pitchFamily="34" charset="-120"/>
+                <a:cs typeface="+mn-cs"/>
+              </a:rPr>
+              <a:t>自負額</a:t>
+            </a:r>
+            <a:endParaRPr kumimoji="0" lang="en-US" altLang="zh-TW" sz="2400" b="0" i="0" u="none" strike="noStrike" kern="1200" cap="none" spc="0" normalizeH="0" baseline="0" noProof="0" dirty="0" smtClean="0">
+              <a:ln>
+                <a:noFill/>
+              </a:ln>
+              <a:solidFill>
+                <a:schemeClr val="tx1"/>
+              </a:solidFill>
+              <a:effectLst/>
+              <a:uLnTx/>
+              <a:uFillTx/>
+              <a:latin typeface="微軟正黑體" pitchFamily="34" charset="-120"/>
+              <a:ea typeface="微軟正黑體" pitchFamily="34" charset="-120"/>
+              <a:cs typeface="+mn-cs"/>
+            </a:endParaRPr>
+          </a:p>
+          <a:p>
+            <a:pPr marL="91440" marR="0" lvl="0" indent="-91440" algn="l" defTabSz="914400" rtl="0" eaLnBrk="1" fontAlgn="auto" latinLnBrk="0" hangingPunct="1">
+              <a:lnSpc>
+                <a:spcPct val="90000"/>
+              </a:lnSpc>
+              <a:spcBef>
+                <a:spcPts val="1200"/>
+              </a:spcBef>
+              <a:spcAft>
+                <a:spcPts val="200"/>
+              </a:spcAft>
+              <a:buClrTx/>
+              <a:buSzPct val="100000"/>
+              <a:buFont typeface="Wingdings" pitchFamily="2" charset="2"/>
+              <a:buChar char="Ø"/>
+              <a:tabLst/>
+              <a:defRPr/>
+            </a:pPr>
+            <a:endParaRPr kumimoji="0" lang="en-US" altLang="zh-TW" sz="3200" b="0" i="0" u="none" strike="noStrike" kern="1200" cap="none" spc="0" normalizeH="0" baseline="0" noProof="0" dirty="0" smtClean="0">
+              <a:ln>
+                <a:noFill/>
+              </a:ln>
+              <a:solidFill>
+                <a:schemeClr val="accent3">
+                  <a:lumMod val="75000"/>
+                </a:schemeClr>
+              </a:solidFill>
+              <a:effectLst/>
+              <a:uLnTx/>
+              <a:uFillTx/>
+              <a:latin typeface="微軟正黑體" pitchFamily="34" charset="-120"/>
+              <a:ea typeface="微軟正黑體" pitchFamily="34" charset="-120"/>
+              <a:cs typeface="+mn-cs"/>
+            </a:endParaRPr>
+          </a:p>
+          <a:p>
+            <a:pPr marL="91440" marR="0" lvl="0" indent="-91440" algn="l" defTabSz="914400" rtl="0" eaLnBrk="1" fontAlgn="auto" latinLnBrk="0" hangingPunct="1">
+              <a:lnSpc>
+                <a:spcPct val="90000"/>
+              </a:lnSpc>
+              <a:spcBef>
+                <a:spcPts val="1200"/>
+              </a:spcBef>
+              <a:spcAft>
+                <a:spcPts val="200"/>
+              </a:spcAft>
+              <a:buClrTx/>
+              <a:buSzPct val="100000"/>
+              <a:buFont typeface="Wingdings" pitchFamily="2" charset="2"/>
+              <a:buChar char="Ø"/>
+              <a:tabLst/>
+              <a:defRPr/>
+            </a:pPr>
+            <a:endParaRPr kumimoji="0" lang="zh-TW" altLang="en-US" sz="3200" b="0" i="0" u="none" strike="noStrike" kern="1200" cap="none" spc="0" normalizeH="0" baseline="0" noProof="0" dirty="0">
+              <a:ln>
+                <a:noFill/>
+              </a:ln>
+              <a:solidFill>
+                <a:schemeClr val="accent3">
+                  <a:lumMod val="75000"/>
+                </a:schemeClr>
+              </a:solidFill>
+              <a:effectLst/>
+              <a:uLnTx/>
+              <a:uFillTx/>
+              <a:latin typeface="微軟正黑體" pitchFamily="34" charset="-120"/>
+              <a:ea typeface="微軟正黑體" pitchFamily="34" charset="-120"/>
+              <a:cs typeface="+mn-cs"/>
+            </a:endParaRPr>
           </a:p>
         </p:txBody>
       </p:sp>
@@ -4614,59 +5211,77 @@
             <p:ph idx="13"/>
           </p:nvPr>
         </p:nvSpPr>
-        <p:spPr/>
-        <p:txBody>
-          <a:bodyPr/>
+        <p:spPr>
+          <a:xfrm>
+            <a:off x="513867" y="1304822"/>
+            <a:ext cx="8153615" cy="4860003"/>
+          </a:xfrm>
+        </p:spPr>
+        <p:txBody>
+          <a:bodyPr>
+            <a:normAutofit/>
+          </a:bodyPr>
           <a:lstStyle/>
           <a:p>
+            <a:pPr>
+              <a:lnSpc>
+                <a:spcPct val="100000"/>
+              </a:lnSpc>
+            </a:pPr>
             <a:r>
               <a:rPr lang="zh-TW" altLang="en-US" dirty="0" smtClean="0"/>
-              <a:t>特徵</a:t>
-            </a:r>
+              <a:t>機器學習</a:t>
+            </a:r>
+            <a:endParaRPr lang="en-US" altLang="zh-TW" dirty="0" smtClean="0"/>
+          </a:p>
+          <a:p>
+            <a:pPr lvl="1">
+              <a:lnSpc>
+                <a:spcPct val="100000"/>
+              </a:lnSpc>
+            </a:pPr>
             <a:r>
               <a:rPr lang="zh-TW" altLang="en-US" dirty="0" smtClean="0"/>
-              <a:t>萃取</a:t>
+              <a:t>分類</a:t>
             </a:r>
             <a:endParaRPr lang="en-US" altLang="zh-TW" dirty="0" smtClean="0"/>
           </a:p>
           <a:p>
-            <a:pPr lvl="1"/>
+            <a:pPr lvl="1">
+              <a:lnSpc>
+                <a:spcPct val="100000"/>
+              </a:lnSpc>
+            </a:pPr>
             <a:r>
               <a:rPr lang="zh-TW" altLang="en-US" dirty="0" smtClean="0"/>
-              <a:t>計算該年度的保險金額</a:t>
+              <a:t>回歸</a:t>
             </a:r>
             <a:endParaRPr lang="en-US" altLang="zh-TW" dirty="0" smtClean="0"/>
           </a:p>
           <a:p>
-            <a:pPr lvl="1"/>
-            <a:r>
-              <a:rPr lang="zh-TW" altLang="en-US" dirty="0" smtClean="0"/>
-              <a:t>計算各保險種類的保險金額</a:t>
-            </a:r>
-            <a:endParaRPr lang="en-US" altLang="zh-TW" dirty="0" smtClean="0"/>
-          </a:p>
-          <a:p>
-            <a:pPr lvl="1"/>
-            <a:r>
-              <a:rPr lang="zh-TW" altLang="en-US" dirty="0" smtClean="0"/>
-              <a:t>理賠次數</a:t>
+            <a:pPr lvl="1">
+              <a:lnSpc>
+                <a:spcPct val="100000"/>
+              </a:lnSpc>
+            </a:pPr>
+            <a:r>
+              <a:rPr lang="en-US" altLang="zh-TW" dirty="0" err="1" smtClean="0"/>
+              <a:t>callbacks.EarlyStopping</a:t>
             </a:r>
             <a:r>
               <a:rPr lang="en-US" altLang="zh-TW" dirty="0" smtClean="0"/>
-              <a:t>,</a:t>
-            </a:r>
-            <a:r>
-              <a:rPr lang="zh-TW" altLang="en-US" dirty="0" smtClean="0"/>
-              <a:t>金額</a:t>
+              <a:t>(monitor='</a:t>
+            </a:r>
+            <a:r>
+              <a:rPr lang="en-US" altLang="zh-TW" dirty="0" err="1" smtClean="0"/>
+              <a:t>val_loss</a:t>
             </a:r>
             <a:r>
               <a:rPr lang="en-US" altLang="zh-TW" dirty="0" smtClean="0"/>
-              <a:t>,</a:t>
-            </a:r>
-            <a:r>
-              <a:rPr lang="zh-TW" altLang="en-US" dirty="0" smtClean="0"/>
-              <a:t>自負額</a:t>
-            </a:r>
+              <a:t>', patience=10,mode='min')</a:t>
+            </a:r>
+          </a:p>
+          <a:p>
             <a:endParaRPr lang="en-US" altLang="zh-TW" dirty="0" smtClean="0"/>
           </a:p>
           <a:p>
@@ -4697,85 +5312,6 @@
               <a:t>心得分享</a:t>
             </a:r>
             <a:endParaRPr lang="zh-TW" altLang="en-US" dirty="0"/>
-          </a:p>
-        </p:txBody>
-      </p:sp>
-      <p:pic>
-        <p:nvPicPr>
-          <p:cNvPr id="5122" name="Picture 2" descr="C:\Users\Administrator\AppData\Local\Microsoft\Windows\Temporary Internet Files\Content.IE5\5442XY8D\480px-Hand_left_font_awesome.svg[1].png"/>
-          <p:cNvPicPr>
-            <a:picLocks noChangeAspect="1" noChangeArrowheads="1"/>
-          </p:cNvPicPr>
-          <p:nvPr/>
-        </p:nvPicPr>
-        <p:blipFill>
-          <a:blip r:embed="rId2" cstate="print"/>
-          <a:srcRect/>
-          <a:stretch>
-            <a:fillRect/>
-          </a:stretch>
-        </p:blipFill>
-        <p:spPr bwMode="auto">
-          <a:xfrm flipH="1">
-            <a:off x="383458" y="4911214"/>
-            <a:ext cx="1032934" cy="1165122"/>
-          </a:xfrm>
-          <a:prstGeom prst="rect">
-            <a:avLst/>
-          </a:prstGeom>
-          <a:noFill/>
-        </p:spPr>
-      </p:pic>
-      <p:sp>
-        <p:nvSpPr>
-          <p:cNvPr id="5" name="Rectangular Callout 4"/>
-          <p:cNvSpPr/>
-          <p:nvPr/>
-        </p:nvSpPr>
-        <p:spPr>
-          <a:xfrm>
-            <a:off x="2020530" y="5117690"/>
-            <a:ext cx="5648632" cy="707922"/>
-          </a:xfrm>
-          <a:prstGeom prst="wedgeRectCallout">
-            <a:avLst>
-              <a:gd name="adj1" fmla="val -60504"/>
-              <a:gd name="adj2" fmla="val -4664"/>
-            </a:avLst>
-          </a:prstGeom>
-        </p:spPr>
-        <p:style>
-          <a:lnRef idx="2">
-            <a:schemeClr val="accent1">
-              <a:shade val="50000"/>
-            </a:schemeClr>
-          </a:lnRef>
-          <a:fillRef idx="1">
-            <a:schemeClr val="accent1"/>
-          </a:fillRef>
-          <a:effectRef idx="0">
-            <a:schemeClr val="accent1"/>
-          </a:effectRef>
-          <a:fontRef idx="minor">
-            <a:schemeClr val="lt1"/>
-          </a:fontRef>
-        </p:style>
-        <p:txBody>
-          <a:bodyPr rtlCol="0" anchor="ctr"/>
-          <a:lstStyle/>
-          <a:p>
-            <a:pPr algn="ctr"/>
-            <a:r>
-              <a:rPr lang="zh-TW" altLang="en-US" sz="4000" dirty="0" smtClean="0">
-                <a:latin typeface="微軟正黑體" pitchFamily="34" charset="-120"/>
-                <a:ea typeface="微軟正黑體" pitchFamily="34" charset="-120"/>
-              </a:rPr>
-              <a:t>學習別人是如何做的</a:t>
-            </a:r>
-            <a:endParaRPr lang="zh-TW" altLang="en-US" sz="4000" dirty="0">
-              <a:latin typeface="微軟正黑體" pitchFamily="34" charset="-120"/>
-              <a:ea typeface="微軟正黑體" pitchFamily="34" charset="-120"/>
-            </a:endParaRPr>
           </a:p>
         </p:txBody>
       </p:sp>
@@ -4821,71 +5357,20 @@
             <p:ph idx="13"/>
           </p:nvPr>
         </p:nvSpPr>
-        <p:spPr>
-          <a:xfrm>
-            <a:off x="513867" y="1304822"/>
-            <a:ext cx="8153615" cy="4860003"/>
-          </a:xfrm>
-        </p:spPr>
+        <p:spPr/>
         <p:txBody>
           <a:bodyPr>
             <a:normAutofit fontScale="92500" lnSpcReduction="10000"/>
           </a:bodyPr>
           <a:lstStyle/>
           <a:p>
-            <a:pPr>
-              <a:lnSpc>
-                <a:spcPct val="100000"/>
-              </a:lnSpc>
-            </a:pPr>
-            <a:r>
-              <a:rPr lang="zh-TW" altLang="en-US" dirty="0" smtClean="0"/>
-              <a:t>機器學習</a:t>
-            </a:r>
+            <a:r>
+              <a:rPr lang="en-US" altLang="zh-TW" dirty="0" smtClean="0"/>
+              <a:t> </a:t>
+            </a:r>
+          </a:p>
+          <a:p>
             <a:endParaRPr lang="en-US" altLang="zh-TW" dirty="0" smtClean="0"/>
-          </a:p>
-          <a:p>
-            <a:pPr lvl="1">
-              <a:lnSpc>
-                <a:spcPct val="100000"/>
-              </a:lnSpc>
-            </a:pPr>
-            <a:r>
-              <a:rPr lang="zh-TW" altLang="en-US" dirty="0" smtClean="0"/>
-              <a:t>分類</a:t>
-            </a:r>
-            <a:r>
-              <a:rPr lang="en-US" altLang="zh-TW" dirty="0" smtClean="0"/>
-              <a:t>,</a:t>
-            </a:r>
-            <a:r>
-              <a:rPr lang="zh-TW" altLang="en-US" dirty="0" smtClean="0"/>
-              <a:t>回歸</a:t>
-            </a:r>
-            <a:endParaRPr lang="en-US" altLang="zh-TW" dirty="0" smtClean="0"/>
-          </a:p>
-          <a:p>
-            <a:pPr lvl="1">
-              <a:lnSpc>
-                <a:spcPct val="100000"/>
-              </a:lnSpc>
-            </a:pPr>
-            <a:r>
-              <a:rPr lang="en-US" altLang="zh-TW" dirty="0" err="1" smtClean="0"/>
-              <a:t>callbacks.EarlyStopping</a:t>
-            </a:r>
-            <a:r>
-              <a:rPr lang="en-US" altLang="zh-TW" dirty="0" smtClean="0"/>
-              <a:t>(monitor='</a:t>
-            </a:r>
-            <a:r>
-              <a:rPr lang="en-US" altLang="zh-TW" dirty="0" err="1" smtClean="0"/>
-              <a:t>val_loss</a:t>
-            </a:r>
-            <a:r>
-              <a:rPr lang="en-US" altLang="zh-TW" dirty="0" smtClean="0"/>
-              <a:t>', patience=10,mode='min')</a:t>
-            </a:r>
           </a:p>
           <a:p>
             <a:endParaRPr lang="en-US" altLang="zh-TW" dirty="0" smtClean="0"/>
@@ -4924,11 +5409,7 @@
             <a:pPr lvl="1"/>
             <a:r>
               <a:rPr lang="en-US" altLang="zh-TW" dirty="0" smtClean="0"/>
-              <a:t>http</a:t>
-            </a:r>
-            <a:r>
-              <a:rPr lang="en-US" altLang="zh-TW" dirty="0" smtClean="0"/>
-              <a:t>://lightgbm.apachecn.org/#/</a:t>
+              <a:t>http://lightgbm.apachecn.org/#/</a:t>
             </a:r>
           </a:p>
           <a:p>
@@ -4983,8 +5464,8 @@
         </p:blipFill>
         <p:spPr bwMode="auto">
           <a:xfrm flipH="1">
-            <a:off x="648930" y="3045149"/>
-            <a:ext cx="752168" cy="848425"/>
+            <a:off x="988139" y="1673550"/>
+            <a:ext cx="1131346" cy="1276128"/>
           </a:xfrm>
           <a:prstGeom prst="rect">
             <a:avLst/>
@@ -5000,8 +5481,8 @@
         </p:nvSpPr>
         <p:spPr>
           <a:xfrm>
-            <a:off x="2050026" y="3156154"/>
-            <a:ext cx="5987846" cy="589935"/>
+            <a:off x="2521970" y="1828800"/>
+            <a:ext cx="4837470" cy="722672"/>
           </a:xfrm>
           <a:prstGeom prst="wedgeRectCallout">
             <a:avLst>
@@ -5036,7 +5517,7 @@
                 <a:latin typeface="微軟正黑體" pitchFamily="34" charset="-120"/>
                 <a:ea typeface="微軟正黑體" pitchFamily="34" charset="-120"/>
               </a:rPr>
-              <a:t>學習別人是如何做的</a:t>
+              <a:t>向他人學習</a:t>
             </a:r>
             <a:endParaRPr lang="zh-TW" altLang="en-US" sz="4000" dirty="0">
               <a:latin typeface="微軟正黑體" pitchFamily="34" charset="-120"/>
@@ -5050,13 +5531,6 @@
   <p:clrMapOvr>
     <a:masterClrMapping/>
   </p:clrMapOvr>
-  <p:timing>
-    <p:tnLst>
-      <p:par>
-        <p:cTn id="1" dur="indefinite" restart="never" nodeType="tmRoot"/>
-      </p:par>
-    </p:tnLst>
-  </p:timing>
 </p:sld>
 </file>
 
@@ -5152,11 +5626,7 @@
           <a:p>
             <a:r>
               <a:rPr lang="zh-TW" altLang="en-US" dirty="0" smtClean="0"/>
-              <a:t>可多了解不同的</a:t>
-            </a:r>
-            <a:r>
-              <a:rPr lang="zh-TW" altLang="en-US" dirty="0" smtClean="0"/>
-              <a:t>演算法</a:t>
+              <a:t>可多了解不同的演算法</a:t>
             </a:r>
             <a:r>
               <a:rPr lang="en-US" altLang="zh-TW" dirty="0" smtClean="0"/>
@@ -5179,8 +5649,17 @@
             </a:r>
             <a:r>
               <a:rPr lang="zh-TW" altLang="en-US" dirty="0" smtClean="0"/>
-              <a:t>資料面的問題占很大的原因</a:t>
-            </a:r>
+              <a:t>應回頭思考資料</a:t>
+            </a:r>
+            <a:r>
+              <a:rPr lang="zh-TW" altLang="en-US" dirty="0" smtClean="0"/>
+              <a:t>面的</a:t>
+            </a:r>
+            <a:r>
+              <a:rPr lang="zh-TW" altLang="en-US" dirty="0" smtClean="0"/>
+              <a:t>問題</a:t>
+            </a:r>
+            <a:endParaRPr lang="zh-TW" altLang="en-US" dirty="0" smtClean="0"/>
           </a:p>
           <a:p>
             <a:endParaRPr lang="zh-TW" altLang="en-US" dirty="0"/>
@@ -5472,7 +5951,7 @@
         <p:spPr>
           <a:xfrm>
             <a:off x="581470" y="1505642"/>
-            <a:ext cx="4608512" cy="4278094"/>
+            <a:ext cx="4608512" cy="4585871"/>
           </a:xfrm>
           <a:prstGeom prst="rect">
             <a:avLst/>
@@ -5682,6 +6161,19 @@
                 <a:ea typeface="微軟正黑體" panose="020B0604030504040204" pitchFamily="34" charset="-120"/>
               </a:rPr>
               <a:t>CNN,RNN,LSTM</a:t>
+            </a:r>
+          </a:p>
+          <a:p>
+            <a:pPr marL="800100" lvl="1" indent="-342900">
+              <a:buFont typeface="Arial" panose="020B0604020202020204" pitchFamily="34" charset="0"/>
+              <a:buChar char="•"/>
+            </a:pPr>
+            <a:r>
+              <a:rPr lang="en-US" altLang="zh-TW" sz="2000" dirty="0" err="1" smtClean="0">
+                <a:latin typeface="微軟正黑體" panose="020B0604030504040204" pitchFamily="34" charset="-120"/>
+                <a:ea typeface="微軟正黑體" panose="020B0604030504040204" pitchFamily="34" charset="-120"/>
+              </a:rPr>
+              <a:t>Django</a:t>
             </a:r>
             <a:endParaRPr lang="en-US" altLang="zh-TW" sz="2000" dirty="0">
               <a:latin typeface="微軟正黑體" panose="020B0604030504040204" pitchFamily="34" charset="-120"/>
@@ -5819,124 +6311,6 @@
           </a:p>
         </p:txBody>
       </p:sp>
-      <p:grpSp>
-        <p:nvGrpSpPr>
-          <p:cNvPr id="4" name="Group 3"/>
-          <p:cNvGrpSpPr/>
-          <p:nvPr/>
-        </p:nvGrpSpPr>
-        <p:grpSpPr>
-          <a:xfrm>
-            <a:off x="4528266" y="2091547"/>
-            <a:ext cx="4032448" cy="3816424"/>
-            <a:chOff x="2483767" y="1059582"/>
-            <a:chExt cx="3672408" cy="3856867"/>
-          </a:xfrm>
-        </p:grpSpPr>
-        <p:pic>
-          <p:nvPicPr>
-            <p:cNvPr id="5" name="Picture 3" descr="C:\BigDataSpark\image\download (2).jpg"/>
-            <p:cNvPicPr>
-              <a:picLocks noChangeAspect="1" noChangeArrowheads="1"/>
-            </p:cNvPicPr>
-            <p:nvPr/>
-          </p:nvPicPr>
-          <p:blipFill>
-            <a:blip r:embed="rId2" cstate="print"/>
-            <a:srcRect/>
-            <a:stretch>
-              <a:fillRect/>
-            </a:stretch>
-          </p:blipFill>
-          <p:spPr bwMode="auto">
-            <a:xfrm>
-              <a:off x="2483767" y="1059582"/>
-              <a:ext cx="3672408" cy="3856867"/>
-            </a:xfrm>
-            <a:prstGeom prst="rect">
-              <a:avLst/>
-            </a:prstGeom>
-            <a:noFill/>
-          </p:spPr>
-        </p:pic>
-        <p:sp>
-          <p:nvSpPr>
-            <p:cNvPr id="6" name="TextBox 5"/>
-            <p:cNvSpPr txBox="1"/>
-            <p:nvPr/>
-          </p:nvSpPr>
-          <p:spPr>
-            <a:xfrm>
-              <a:off x="2771800" y="2139702"/>
-              <a:ext cx="3168352" cy="1772917"/>
-            </a:xfrm>
-            <a:prstGeom prst="rect">
-              <a:avLst/>
-            </a:prstGeom>
-            <a:noFill/>
-          </p:spPr>
-          <p:txBody>
-            <a:bodyPr wrap="square" rtlCol="0">
-              <a:spAutoFit/>
-            </a:bodyPr>
-            <a:lstStyle/>
-            <a:p>
-              <a:r>
-                <a:rPr lang="zh-TW" altLang="en-US" sz="3600" b="1" dirty="0" smtClean="0">
-                  <a:solidFill>
-                    <a:srgbClr val="FF0000"/>
-                  </a:solidFill>
-                </a:rPr>
-                <a:t>重要的不是排名</a:t>
-              </a:r>
-              <a:r>
-                <a:rPr lang="zh-TW" altLang="en-US" sz="3600" b="1" dirty="0" smtClean="0">
-                  <a:solidFill>
-                    <a:srgbClr val="FF0000"/>
-                  </a:solidFill>
-                </a:rPr>
-                <a:t>而是願意踏</a:t>
-              </a:r>
-              <a:r>
-                <a:rPr lang="zh-TW" altLang="en-US" sz="3600" b="1" dirty="0" smtClean="0">
-                  <a:solidFill>
-                    <a:srgbClr val="FF0000"/>
-                  </a:solidFill>
-                </a:rPr>
-                <a:t>出</a:t>
-              </a:r>
-              <a:endParaRPr lang="en-US" altLang="zh-TW" sz="3600" b="1" dirty="0" smtClean="0">
-                <a:solidFill>
-                  <a:srgbClr val="FF0000"/>
-                </a:solidFill>
-              </a:endParaRPr>
-            </a:p>
-            <a:p>
-              <a:r>
-                <a:rPr lang="en-US" altLang="zh-TW" sz="3600" b="1" dirty="0" smtClean="0">
-                  <a:solidFill>
-                    <a:srgbClr val="FF0000"/>
-                  </a:solidFill>
-                </a:rPr>
-                <a:t>      </a:t>
-              </a:r>
-              <a:r>
-                <a:rPr lang="zh-TW" altLang="en-US" sz="3600" b="1" dirty="0" smtClean="0">
-                  <a:solidFill>
-                    <a:srgbClr val="FF0000"/>
-                  </a:solidFill>
-                </a:rPr>
-                <a:t>第一步</a:t>
-              </a:r>
-              <a:endParaRPr lang="en-US" altLang="zh-TW" sz="3600" b="1" dirty="0" smtClean="0">
-                <a:solidFill>
-                  <a:srgbClr val="FF0000"/>
-                </a:solidFill>
-              </a:endParaRPr>
-            </a:p>
-          </p:txBody>
-        </p:sp>
-      </p:grpSp>
     </p:spTree>
   </p:cSld>
   <p:clrMapOvr>
@@ -5945,121 +6319,7 @@
   <p:timing>
     <p:tnLst>
       <p:par>
-        <p:cTn id="1" dur="indefinite" restart="never" nodeType="tmRoot">
-          <p:childTnLst>
-            <p:seq concurrent="1" nextAc="seek">
-              <p:cTn id="2" dur="indefinite" nodeType="mainSeq">
-                <p:childTnLst>
-                  <p:par>
-                    <p:cTn id="3" fill="hold">
-                      <p:stCondLst>
-                        <p:cond delay="indefinite"/>
-                      </p:stCondLst>
-                      <p:childTnLst>
-                        <p:par>
-                          <p:cTn id="4" fill="hold">
-                            <p:stCondLst>
-                              <p:cond delay="0"/>
-                            </p:stCondLst>
-                            <p:childTnLst>
-                              <p:par>
-                                <p:cTn id="5" presetID="2" presetClass="entr" presetSubtype="1" fill="hold" nodeType="clickEffect">
-                                  <p:stCondLst>
-                                    <p:cond delay="0"/>
-                                  </p:stCondLst>
-                                  <p:childTnLst>
-                                    <p:set>
-                                      <p:cBhvr>
-                                        <p:cTn id="6" dur="1" fill="hold">
-                                          <p:stCondLst>
-                                            <p:cond delay="0"/>
-                                          </p:stCondLst>
-                                        </p:cTn>
-                                        <p:tgtEl>
-                                          <p:spTgt spid="4"/>
-                                        </p:tgtEl>
-                                        <p:attrNameLst>
-                                          <p:attrName>style.visibility</p:attrName>
-                                        </p:attrNameLst>
-                                      </p:cBhvr>
-                                      <p:to>
-                                        <p:strVal val="visible"/>
-                                      </p:to>
-                                    </p:set>
-                                    <p:anim calcmode="lin" valueType="num">
-                                      <p:cBhvr additive="base">
-                                        <p:cTn id="7" dur="500" fill="hold"/>
-                                        <p:tgtEl>
-                                          <p:spTgt spid="4"/>
-                                        </p:tgtEl>
-                                        <p:attrNameLst>
-                                          <p:attrName>ppt_x</p:attrName>
-                                        </p:attrNameLst>
-                                      </p:cBhvr>
-                                      <p:tavLst>
-                                        <p:tav tm="0">
-                                          <p:val>
-                                            <p:strVal val="#ppt_x"/>
-                                          </p:val>
-                                        </p:tav>
-                                        <p:tav tm="100000">
-                                          <p:val>
-                                            <p:strVal val="#ppt_x"/>
-                                          </p:val>
-                                        </p:tav>
-                                      </p:tavLst>
-                                    </p:anim>
-                                    <p:anim calcmode="lin" valueType="num">
-                                      <p:cBhvr additive="base">
-                                        <p:cTn id="8" dur="500" fill="hold"/>
-                                        <p:tgtEl>
-                                          <p:spTgt spid="4"/>
-                                        </p:tgtEl>
-                                        <p:attrNameLst>
-                                          <p:attrName>ppt_y</p:attrName>
-                                        </p:attrNameLst>
-                                      </p:cBhvr>
-                                      <p:tavLst>
-                                        <p:tav tm="0">
-                                          <p:val>
-                                            <p:strVal val="0-#ppt_h/2"/>
-                                          </p:val>
-                                        </p:tav>
-                                        <p:tav tm="100000">
-                                          <p:val>
-                                            <p:strVal val="#ppt_y"/>
-                                          </p:val>
-                                        </p:tav>
-                                      </p:tavLst>
-                                    </p:anim>
-                                  </p:childTnLst>
-                                </p:cTn>
-                              </p:par>
-                            </p:childTnLst>
-                          </p:cTn>
-                        </p:par>
-                      </p:childTnLst>
-                    </p:cTn>
-                  </p:par>
-                </p:childTnLst>
-              </p:cTn>
-              <p:prevCondLst>
-                <p:cond evt="onPrev" delay="0">
-                  <p:tgtEl>
-                    <p:sldTgt/>
-                  </p:tgtEl>
-                </p:cond>
-              </p:prevCondLst>
-              <p:nextCondLst>
-                <p:cond evt="onNext" delay="0">
-                  <p:tgtEl>
-                    <p:sldTgt/>
-                  </p:tgtEl>
-                </p:cond>
-              </p:nextCondLst>
-            </p:seq>
-          </p:childTnLst>
-        </p:cTn>
+        <p:cTn id="1" dur="indefinite" restart="never" nodeType="tmRoot"/>
       </p:par>
     </p:tnLst>
   </p:timing>
@@ -6672,7 +6932,11 @@
           <a:p>
             <a:r>
               <a:rPr lang="zh-TW" altLang="en-US" dirty="0" smtClean="0"/>
-              <a:t>來看一下資料吧</a:t>
+              <a:t>來看一下</a:t>
+            </a:r>
+            <a:r>
+              <a:rPr lang="zh-TW" altLang="en-US" dirty="0" smtClean="0"/>
+              <a:t>資料</a:t>
             </a:r>
             <a:endParaRPr lang="zh-TW" altLang="en-US" dirty="0"/>
           </a:p>
